--- a/public/documents/SamplePPTICAC3N-2023.pptx
+++ b/public/documents/SamplePPTICAC3N-2023.pptx
@@ -106,6 +106,22 @@
       </a:defRPr>
     </a:lvl9pPr>
   </p:defaultTextStyle>
+  <p:extLst>
+    <p:ext uri="{EFAFB233-063F-42B5-8137-9DF3F51BA10A}">
+      <p15:sldGuideLst xmlns:p15="http://schemas.microsoft.com/office/powerpoint/2012/main">
+        <p15:guide id="1" orient="horz" pos="2160">
+          <p15:clr>
+            <a:srgbClr val="A4A3A4"/>
+          </p15:clr>
+        </p15:guide>
+        <p15:guide id="2" pos="2880">
+          <p15:clr>
+            <a:srgbClr val="A4A3A4"/>
+          </p15:clr>
+        </p15:guide>
+      </p15:sldGuideLst>
+    </p:ext>
+  </p:extLst>
 </p:presentation>
 </file>
 
@@ -291,7 +307,7 @@
             <a:fld id="{1D8BD707-D9CF-40AE-B4C6-C98DA3205C09}" type="datetimeFigureOut">
               <a:rPr lang="en-US" smtClean="0"/>
               <a:pPr/>
-              <a:t>5/6/2023</a:t>
+              <a:t>11/16/2023</a:t>
             </a:fld>
             <a:endParaRPr lang="en-US"/>
           </a:p>
@@ -458,7 +474,7 @@
             <a:fld id="{1D8BD707-D9CF-40AE-B4C6-C98DA3205C09}" type="datetimeFigureOut">
               <a:rPr lang="en-US" smtClean="0"/>
               <a:pPr/>
-              <a:t>5/6/2023</a:t>
+              <a:t>11/16/2023</a:t>
             </a:fld>
             <a:endParaRPr lang="en-US"/>
           </a:p>
@@ -635,7 +651,7 @@
             <a:fld id="{1D8BD707-D9CF-40AE-B4C6-C98DA3205C09}" type="datetimeFigureOut">
               <a:rPr lang="en-US" smtClean="0"/>
               <a:pPr/>
-              <a:t>5/6/2023</a:t>
+              <a:t>11/16/2023</a:t>
             </a:fld>
             <a:endParaRPr lang="en-US"/>
           </a:p>
@@ -802,7 +818,7 @@
             <a:fld id="{1D8BD707-D9CF-40AE-B4C6-C98DA3205C09}" type="datetimeFigureOut">
               <a:rPr lang="en-US" smtClean="0"/>
               <a:pPr/>
-              <a:t>5/6/2023</a:t>
+              <a:t>11/16/2023</a:t>
             </a:fld>
             <a:endParaRPr lang="en-US"/>
           </a:p>
@@ -1045,7 +1061,7 @@
             <a:fld id="{1D8BD707-D9CF-40AE-B4C6-C98DA3205C09}" type="datetimeFigureOut">
               <a:rPr lang="en-US" smtClean="0"/>
               <a:pPr/>
-              <a:t>5/6/2023</a:t>
+              <a:t>11/16/2023</a:t>
             </a:fld>
             <a:endParaRPr lang="en-US"/>
           </a:p>
@@ -1330,7 +1346,7 @@
             <a:fld id="{1D8BD707-D9CF-40AE-B4C6-C98DA3205C09}" type="datetimeFigureOut">
               <a:rPr lang="en-US" smtClean="0"/>
               <a:pPr/>
-              <a:t>5/6/2023</a:t>
+              <a:t>11/16/2023</a:t>
             </a:fld>
             <a:endParaRPr lang="en-US"/>
           </a:p>
@@ -1749,7 +1765,7 @@
             <a:fld id="{1D8BD707-D9CF-40AE-B4C6-C98DA3205C09}" type="datetimeFigureOut">
               <a:rPr lang="en-US" smtClean="0"/>
               <a:pPr/>
-              <a:t>5/6/2023</a:t>
+              <a:t>11/16/2023</a:t>
             </a:fld>
             <a:endParaRPr lang="en-US"/>
           </a:p>
@@ -1864,7 +1880,7 @@
             <a:fld id="{1D8BD707-D9CF-40AE-B4C6-C98DA3205C09}" type="datetimeFigureOut">
               <a:rPr lang="en-US" smtClean="0"/>
               <a:pPr/>
-              <a:t>5/6/2023</a:t>
+              <a:t>11/16/2023</a:t>
             </a:fld>
             <a:endParaRPr lang="en-US"/>
           </a:p>
@@ -1956,7 +1972,7 @@
             <a:fld id="{1D8BD707-D9CF-40AE-B4C6-C98DA3205C09}" type="datetimeFigureOut">
               <a:rPr lang="en-US" smtClean="0"/>
               <a:pPr/>
-              <a:t>5/6/2023</a:t>
+              <a:t>11/16/2023</a:t>
             </a:fld>
             <a:endParaRPr lang="en-US"/>
           </a:p>
@@ -2230,7 +2246,7 @@
             <a:fld id="{1D8BD707-D9CF-40AE-B4C6-C98DA3205C09}" type="datetimeFigureOut">
               <a:rPr lang="en-US" smtClean="0"/>
               <a:pPr/>
-              <a:t>5/6/2023</a:t>
+              <a:t>11/16/2023</a:t>
             </a:fld>
             <a:endParaRPr lang="en-US"/>
           </a:p>
@@ -2480,7 +2496,7 @@
             <a:fld id="{1D8BD707-D9CF-40AE-B4C6-C98DA3205C09}" type="datetimeFigureOut">
               <a:rPr lang="en-US" smtClean="0"/>
               <a:pPr/>
-              <a:t>5/6/2023</a:t>
+              <a:t>11/16/2023</a:t>
             </a:fld>
             <a:endParaRPr lang="en-US"/>
           </a:p>
@@ -2690,7 +2706,7 @@
             <a:fld id="{1D8BD707-D9CF-40AE-B4C6-C98DA3205C09}" type="datetimeFigureOut">
               <a:rPr lang="en-US" smtClean="0"/>
               <a:pPr/>
-              <a:t>5/6/2023</a:t>
+              <a:t>11/16/2023</a:t>
             </a:fld>
             <a:endParaRPr lang="en-US"/>
           </a:p>
@@ -3162,8 +3178,8 @@
         </p:nvSpPr>
         <p:spPr bwMode="auto">
           <a:xfrm>
-            <a:off x="1" y="0"/>
-            <a:ext cx="8839199" cy="1015663"/>
+            <a:off x="152401" y="0"/>
+            <a:ext cx="8839199" cy="1323439"/>
           </a:xfrm>
           <a:prstGeom prst="rect">
             <a:avLst/>
@@ -3215,22 +3231,7 @@
                 <a:ea typeface="Times New Roman" pitchFamily="18" charset="0"/>
                 <a:cs typeface="Arial" pitchFamily="34" charset="0"/>
               </a:rPr>
-              <a:t>2022 5th International Conference on Advances in Computing, Communication Control and Networking (ICAC3N</a:t>
-            </a:r>
-            <a:r>
-              <a:rPr kumimoji="0" lang="en-US" sz="2000" b="0" i="0" u="none" strike="noStrike" cap="none" normalizeH="0" baseline="0" dirty="0" smtClean="0">
-                <a:ln>
-                  <a:noFill/>
-                </a:ln>
-                <a:solidFill>
-                  <a:srgbClr val="C00000"/>
-                </a:solidFill>
-                <a:effectLst/>
-                <a:latin typeface="Arial" pitchFamily="34" charset="0"/>
-                <a:ea typeface="Times New Roman" pitchFamily="18" charset="0"/>
-                <a:cs typeface="Arial" pitchFamily="34" charset="0"/>
-              </a:rPr>
-              <a:t>)</a:t>
+              <a:t>2022 5th International Conference on Advances in Computing, Communication Control and Networking (ICAC3N)</a:t>
             </a:r>
           </a:p>
           <a:p>
@@ -3271,16 +3272,65 @@
                 <a:latin typeface="Arial" pitchFamily="34" charset="0"/>
                 <a:cs typeface="Arial" pitchFamily="34" charset="0"/>
               </a:rPr>
-              <a:t> # 60023</a:t>
-            </a:r>
-            <a:endParaRPr kumimoji="0" lang="en-US" sz="4400" b="0" i="0" u="none" strike="noStrike" cap="none" normalizeH="0" baseline="0" dirty="0" smtClean="0">
-              <a:ln>
-                <a:noFill/>
-              </a:ln>
+              <a:t> # </a:t>
+            </a:r>
+            <a:r>
+              <a:rPr lang="en-US" sz="2000" dirty="0" smtClean="0">
+                <a:solidFill>
+                  <a:srgbClr val="C00000"/>
+                </a:solidFill>
+                <a:latin typeface="Arial" pitchFamily="34" charset="0"/>
+                <a:cs typeface="Arial" pitchFamily="34" charset="0"/>
+              </a:rPr>
+              <a:t>60023</a:t>
+            </a:r>
+          </a:p>
+          <a:p>
+            <a:pPr lvl="0" algn="ctr" fontAlgn="base">
+              <a:spcBef>
+                <a:spcPct val="0"/>
+              </a:spcBef>
+              <a:spcAft>
+                <a:spcPct val="0"/>
+              </a:spcAft>
+            </a:pPr>
+            <a:r>
+              <a:rPr lang="en-US" sz="2000" dirty="0" smtClean="0">
+                <a:solidFill>
+                  <a:schemeClr val="tx2">
+                    <a:lumMod val="60000"/>
+                    <a:lumOff val="40000"/>
+                  </a:schemeClr>
+                </a:solidFill>
+                <a:latin typeface="Arial" pitchFamily="34" charset="0"/>
+                <a:cs typeface="Arial" pitchFamily="34" charset="0"/>
+              </a:rPr>
+              <a:t>ISBN </a:t>
+            </a:r>
+            <a:r>
+              <a:rPr lang="en-US" sz="2000" dirty="0" smtClean="0">
+                <a:solidFill>
+                  <a:srgbClr val="C00000"/>
+                </a:solidFill>
+                <a:latin typeface="Arial" pitchFamily="34" charset="0"/>
+                <a:cs typeface="Arial" pitchFamily="34" charset="0"/>
+              </a:rPr>
+              <a:t># </a:t>
+            </a:r>
+            <a:r>
+              <a:rPr lang="en-IN" sz="2000" dirty="0" smtClean="0">
+                <a:solidFill>
+                  <a:srgbClr val="C00000"/>
+                </a:solidFill>
+                <a:latin typeface="Arial" pitchFamily="34" charset="0"/>
+                <a:cs typeface="Arial" pitchFamily="34" charset="0"/>
+              </a:rPr>
+              <a:t>979-8-3503-3086-1</a:t>
+            </a:r>
+            <a:endParaRPr lang="en-US" sz="2000" dirty="0">
               <a:solidFill>
                 <a:srgbClr val="C00000"/>
               </a:solidFill>
-              <a:effectLst/>
               <a:latin typeface="Arial" pitchFamily="34" charset="0"/>
               <a:cs typeface="Arial" pitchFamily="34" charset="0"/>
             </a:endParaRPr>
@@ -3483,24 +3533,61 @@
                   <a:srgbClr val="C00000"/>
                 </a:solidFill>
               </a:rPr>
-              <a:t>Presentation of paper in conference is mandatory. Without this paper will not be published on IEEE </a:t>
-            </a:r>
-            <a:r>
-              <a:rPr lang="en-US" sz="2000" b="1" dirty="0" err="1" smtClean="0">
-                <a:solidFill>
-                  <a:srgbClr val="C00000"/>
+              <a:t>Presentation of paper in conference is mandatory. </a:t>
+            </a:r>
+            <a:r>
+              <a:rPr lang="en-US" sz="2400" b="1" dirty="0" smtClean="0">
+                <a:solidFill>
+                  <a:srgbClr val="FF0000"/>
+                </a:solidFill>
+              </a:rPr>
+              <a:t>Without </a:t>
+            </a:r>
+            <a:r>
+              <a:rPr lang="en-US" sz="2400" b="1" dirty="0" smtClean="0">
+                <a:solidFill>
+                  <a:srgbClr val="FF0000"/>
+                </a:solidFill>
+              </a:rPr>
+              <a:t>presentation paper </a:t>
+            </a:r>
+            <a:r>
+              <a:rPr lang="en-US" sz="2400" b="1" dirty="0" smtClean="0">
+                <a:solidFill>
+                  <a:srgbClr val="FF0000"/>
+                </a:solidFill>
+              </a:rPr>
+              <a:t>will not be published on IEEE </a:t>
+            </a:r>
+            <a:r>
+              <a:rPr lang="en-US" sz="2400" b="1" dirty="0" err="1" smtClean="0">
+                <a:solidFill>
+                  <a:srgbClr val="FF0000"/>
                 </a:solidFill>
               </a:rPr>
               <a:t>Xplore</a:t>
             </a:r>
             <a:r>
-              <a:rPr lang="en-US" sz="2000" b="1" dirty="0" smtClean="0">
-                <a:solidFill>
-                  <a:srgbClr val="C00000"/>
+              <a:rPr lang="en-US" sz="2400" b="1" dirty="0" smtClean="0">
+                <a:solidFill>
+                  <a:srgbClr val="FF0000"/>
                 </a:solidFill>
               </a:rPr>
-              <a:t> Digital Library</a:t>
-            </a:r>
+              <a:t> Digital </a:t>
+            </a:r>
+            <a:r>
+              <a:rPr lang="en-US" sz="2400" b="1" dirty="0" smtClean="0">
+                <a:solidFill>
+                  <a:srgbClr val="FF0000"/>
+                </a:solidFill>
+              </a:rPr>
+              <a:t>Library.</a:t>
+            </a:r>
+            <a:endParaRPr lang="en-US" sz="2000" b="1" dirty="0" smtClean="0">
+              <a:solidFill>
+                <a:srgbClr val="FF0000"/>
+              </a:solidFill>
+            </a:endParaRPr>
           </a:p>
           <a:p>
             <a:r>
@@ -3543,7 +3630,23 @@
                   <a:srgbClr val="FF0000"/>
                 </a:solidFill>
               </a:rPr>
-              <a:t>NO CHANGE IN TITLE AND LIST OF AUTHORS IS ALLOWED AFTER REGISTRATION.</a:t>
+              <a:t>NO CHANGE IN TITLE AND LIST OF AUTHORS IS ALLOWED AFTER </a:t>
+            </a:r>
+            <a:r>
+              <a:rPr lang="en-US" sz="2000" b="1" dirty="0" smtClean="0">
+                <a:solidFill>
+                  <a:srgbClr val="FF0000"/>
+                </a:solidFill>
+              </a:rPr>
+              <a:t>REGISTRATION</a:t>
+            </a:r>
+            <a:r>
+              <a:rPr lang="en-US" sz="2000" b="1" dirty="0" smtClean="0">
+                <a:solidFill>
+                  <a:srgbClr val="FF0000"/>
+                </a:solidFill>
+              </a:rPr>
+              <a:t>.</a:t>
             </a:r>
           </a:p>
           <a:p>
